--- a/20173765문법식프밍프로젝트파이날.pptx
+++ b/20173765문법식프밍프로젝트파이날.pptx
@@ -120,7 +120,16 @@
       </a:defRPr>
     </a:lvl9pPr>
   </p:defaultTextStyle>
+  <p:extLst>
+    <p:ext uri="{EFAFB233-063F-42B5-8137-9DF3F51BA10A}">
+      <p15:sldGuideLst xmlns:p15="http://schemas.microsoft.com/office/powerpoint/2012/main"/>
+    </p:ext>
+  </p:extLst>
 </p:presentation>
+</file>
+
+<file path=ppt/revisionInfo.xml><?xml version="1.0" encoding="utf-8"?>
+<p1510:revInfo xmlns:a="http://schemas.openxmlformats.org/drawingml/2006/main" xmlns:r="http://schemas.openxmlformats.org/officeDocument/2006/relationships" xmlns:p1510="http://schemas.microsoft.com/office/powerpoint/2015/10/main"/>
 </file>
 
 <file path=ppt/slideLayouts/slideLayout1.xml><?xml version="1.0" encoding="utf-8"?>
@@ -270,7 +279,7 @@
           <a:p>
             <a:fld id="{D9F6CDAE-166C-4267-867B-614ED72F487B}" type="datetimeFigureOut">
               <a:rPr lang="ko-KR" altLang="en-US" smtClean="0"/>
-              <a:t>2017-12-07</a:t>
+              <a:t>2017-12-08</a:t>
             </a:fld>
             <a:endParaRPr lang="ko-KR" altLang="en-US"/>
           </a:p>
@@ -468,7 +477,7 @@
           <a:p>
             <a:fld id="{D9F6CDAE-166C-4267-867B-614ED72F487B}" type="datetimeFigureOut">
               <a:rPr lang="ko-KR" altLang="en-US" smtClean="0"/>
-              <a:t>2017-12-07</a:t>
+              <a:t>2017-12-08</a:t>
             </a:fld>
             <a:endParaRPr lang="ko-KR" altLang="en-US"/>
           </a:p>
@@ -676,7 +685,7 @@
           <a:p>
             <a:fld id="{D9F6CDAE-166C-4267-867B-614ED72F487B}" type="datetimeFigureOut">
               <a:rPr lang="ko-KR" altLang="en-US" smtClean="0"/>
-              <a:t>2017-12-07</a:t>
+              <a:t>2017-12-08</a:t>
             </a:fld>
             <a:endParaRPr lang="ko-KR" altLang="en-US"/>
           </a:p>
@@ -874,7 +883,7 @@
           <a:p>
             <a:fld id="{D9F6CDAE-166C-4267-867B-614ED72F487B}" type="datetimeFigureOut">
               <a:rPr lang="ko-KR" altLang="en-US" smtClean="0"/>
-              <a:t>2017-12-07</a:t>
+              <a:t>2017-12-08</a:t>
             </a:fld>
             <a:endParaRPr lang="ko-KR" altLang="en-US"/>
           </a:p>
@@ -1149,7 +1158,7 @@
           <a:p>
             <a:fld id="{D9F6CDAE-166C-4267-867B-614ED72F487B}" type="datetimeFigureOut">
               <a:rPr lang="ko-KR" altLang="en-US" smtClean="0"/>
-              <a:t>2017-12-07</a:t>
+              <a:t>2017-12-08</a:t>
             </a:fld>
             <a:endParaRPr lang="ko-KR" altLang="en-US"/>
           </a:p>
@@ -1414,7 +1423,7 @@
           <a:p>
             <a:fld id="{D9F6CDAE-166C-4267-867B-614ED72F487B}" type="datetimeFigureOut">
               <a:rPr lang="ko-KR" altLang="en-US" smtClean="0"/>
-              <a:t>2017-12-07</a:t>
+              <a:t>2017-12-08</a:t>
             </a:fld>
             <a:endParaRPr lang="ko-KR" altLang="en-US"/>
           </a:p>
@@ -1826,7 +1835,7 @@
           <a:p>
             <a:fld id="{D9F6CDAE-166C-4267-867B-614ED72F487B}" type="datetimeFigureOut">
               <a:rPr lang="ko-KR" altLang="en-US" smtClean="0"/>
-              <a:t>2017-12-07</a:t>
+              <a:t>2017-12-08</a:t>
             </a:fld>
             <a:endParaRPr lang="ko-KR" altLang="en-US"/>
           </a:p>
@@ -1967,7 +1976,7 @@
           <a:p>
             <a:fld id="{D9F6CDAE-166C-4267-867B-614ED72F487B}" type="datetimeFigureOut">
               <a:rPr lang="ko-KR" altLang="en-US" smtClean="0"/>
-              <a:t>2017-12-07</a:t>
+              <a:t>2017-12-08</a:t>
             </a:fld>
             <a:endParaRPr lang="ko-KR" altLang="en-US"/>
           </a:p>
@@ -2080,7 +2089,7 @@
           <a:p>
             <a:fld id="{D9F6CDAE-166C-4267-867B-614ED72F487B}" type="datetimeFigureOut">
               <a:rPr lang="ko-KR" altLang="en-US" smtClean="0"/>
-              <a:t>2017-12-07</a:t>
+              <a:t>2017-12-08</a:t>
             </a:fld>
             <a:endParaRPr lang="ko-KR" altLang="en-US"/>
           </a:p>
@@ -2391,7 +2400,7 @@
           <a:p>
             <a:fld id="{D9F6CDAE-166C-4267-867B-614ED72F487B}" type="datetimeFigureOut">
               <a:rPr lang="ko-KR" altLang="en-US" smtClean="0"/>
-              <a:t>2017-12-07</a:t>
+              <a:t>2017-12-08</a:t>
             </a:fld>
             <a:endParaRPr lang="ko-KR" altLang="en-US"/>
           </a:p>
@@ -2679,7 +2688,7 @@
           <a:p>
             <a:fld id="{D9F6CDAE-166C-4267-867B-614ED72F487B}" type="datetimeFigureOut">
               <a:rPr lang="ko-KR" altLang="en-US" smtClean="0"/>
-              <a:t>2017-12-07</a:t>
+              <a:t>2017-12-08</a:t>
             </a:fld>
             <a:endParaRPr lang="ko-KR" altLang="en-US"/>
           </a:p>
@@ -2920,7 +2929,7 @@
           <a:p>
             <a:fld id="{D9F6CDAE-166C-4267-867B-614ED72F487B}" type="datetimeFigureOut">
               <a:rPr lang="ko-KR" altLang="en-US" smtClean="0"/>
-              <a:t>2017-12-07</a:t>
+              <a:t>2017-12-08</a:t>
             </a:fld>
             <a:endParaRPr lang="ko-KR" altLang="en-US"/>
           </a:p>
@@ -7483,9 +7492,20 @@
               <a:t>원인 또한 찾아보았지만 알 수 없었다</a:t>
             </a:r>
             <a:r>
-              <a:rPr lang="en-US" altLang="ko-KR" sz="1800"/>
+              <a:rPr lang="en-US" altLang="ko-KR" sz="1800" dirty="0"/>
               <a:t>.</a:t>
             </a:r>
+          </a:p>
+          <a:p>
+            <a:r>
+              <a:rPr lang="en-US" sz="1800">
+                <a:hlinkClick r:id="rId2"/>
+              </a:rPr>
+              <a:t>https://github.com/Beopsik/Beopsik</a:t>
+            </a:r>
+            <a:endParaRPr lang="en-US" sz="1800"/>
+          </a:p>
+          <a:p>
             <a:endParaRPr lang="en-US" sz="1800" dirty="0"/>
           </a:p>
         </p:txBody>
@@ -7505,7 +7525,7 @@
           <p:nvPr/>
         </p:nvPicPr>
         <p:blipFill>
-          <a:blip r:embed="rId2"/>
+          <a:blip r:embed="rId3"/>
           <a:stretch>
             <a:fillRect/>
           </a:stretch>
